--- a/Lectures/19_paskaita (Versijų valdymo sistema (GIT)).pptx
+++ b/Lectures/19_paskaita (Versijų valdymo sistema (GIT)).pptx
@@ -218,7 +218,7 @@
           <a:p>
             <a:fld id="{19A5CF74-7217-D94E-B77F-74BB3929052E}" type="datetimeFigureOut">
               <a:rPr lang="en-LT" smtClean="0"/>
-              <a:t>2023-08-16</a:t>
+              <a:t>2023-08-17</a:t>
             </a:fld>
             <a:endParaRPr lang="en-LT"/>
           </a:p>
@@ -2645,7 +2645,11 @@
             </a:r>
             <a:r>
               <a:rPr lang="en-LT" dirty="0"/>
-              <a:t> sukurta repozitorija. ()</a:t>
+              <a:t> sukurta repozitorija. </a:t>
+            </a:r>
+            <a:r>
+              <a:rPr lang="en-LT"/>
+              <a:t>()</a:t>
             </a:r>
           </a:p>
         </p:txBody>
@@ -3421,26 +3425,6 @@
           <a:p>
             <a:pPr algn="l"/>
             <a:r>
-              <a:rPr lang="lt-LT" b="0" i="0" dirty="0" err="1">
-                <a:solidFill>
-                  <a:srgbClr val="343541"/>
-                </a:solidFill>
-                <a:effectLst/>
-                <a:latin typeface="Söhne"/>
-              </a:rPr>
-              <a:t>ChatGPT</a:t>
-            </a:r>
-            <a:endParaRPr lang="lt-LT" b="0" i="0" dirty="0">
-              <a:solidFill>
-                <a:srgbClr val="343541"/>
-              </a:solidFill>
-              <a:effectLst/>
-              <a:latin typeface="Söhne"/>
-            </a:endParaRPr>
-          </a:p>
-          <a:p>
-            <a:pPr algn="l"/>
-            <a:r>
               <a:rPr lang="lt-LT" b="0" i="0" dirty="0">
                 <a:solidFill>
                   <a:srgbClr val="343541"/>
@@ -4828,29 +4812,9 @@
                 <a:effectLst/>
                 <a:latin typeface="Söhne"/>
               </a:rPr>
-              <a:t>komandą:cssCopy</a:t>
-            </a:r>
-            <a:r>
-              <a:rPr lang="lt-LT" b="0" i="0" dirty="0">
-                <a:solidFill>
-                  <a:srgbClr val="374151"/>
-                </a:solidFill>
-                <a:effectLst/>
-                <a:latin typeface="Söhne"/>
-              </a:rPr>
-              <a:t> </a:t>
-            </a:r>
-            <a:r>
-              <a:rPr lang="lt-LT" b="0" i="0" dirty="0" err="1">
-                <a:solidFill>
-                  <a:srgbClr val="374151"/>
-                </a:solidFill>
-                <a:effectLst/>
-                <a:latin typeface="Söhne"/>
-              </a:rPr>
-              <a:t>code</a:t>
-            </a:r>
-            <a:endParaRPr lang="lt-LT" b="0" i="0" dirty="0">
+              <a:t>komandą:css</a:t>
+            </a:r>
+            <a:endParaRPr lang="lt-LT" b="0" i="0">
               <a:solidFill>
                 <a:srgbClr val="374151"/>
               </a:solidFill>
@@ -4864,7 +4828,7 @@
               <a:buChar char="•"/>
             </a:pPr>
             <a:r>
-              <a:rPr lang="lt-LT" b="0" i="0" dirty="0" err="1">
+              <a:rPr lang="lt-LT" b="0" i="0">
                 <a:solidFill>
                   <a:srgbClr val="374151"/>
                 </a:solidFill>
@@ -28763,7 +28727,7 @@
           </a:ln>
           <a:extLst>
             <a:ext uri="{C572A759-6A51-4108-AA02-DFA0A04FC94B}">
-              <ma14:wrappingTextBoxFlag xmlns:ma14="http://schemas.microsoft.com/office/mac/drawingml/2011/main" xmlns:a14="http://schemas.microsoft.com/office/drawing/2010/main" xmlns:m="http://schemas.openxmlformats.org/officeDocument/2006/math" xmlns="" val="1"/>
+              <ma14:wrappingTextBoxFlag xmlns="" xmlns:m="http://schemas.openxmlformats.org/officeDocument/2006/math" xmlns:a14="http://schemas.microsoft.com/office/drawing/2010/main" xmlns:ma14="http://schemas.microsoft.com/office/mac/drawingml/2011/main" val="1"/>
             </a:ext>
           </a:extLst>
         </p:spPr>
@@ -29477,7 +29441,7 @@
           </a:ln>
           <a:extLst>
             <a:ext uri="{C572A759-6A51-4108-AA02-DFA0A04FC94B}">
-              <ma14:wrappingTextBoxFlag xmlns:ma14="http://schemas.microsoft.com/office/mac/drawingml/2011/main" xmlns:a14="http://schemas.microsoft.com/office/drawing/2010/main" xmlns:m="http://schemas.openxmlformats.org/officeDocument/2006/math" xmlns="" val="1"/>
+              <ma14:wrappingTextBoxFlag xmlns="" xmlns:m="http://schemas.openxmlformats.org/officeDocument/2006/math" xmlns:a14="http://schemas.microsoft.com/office/drawing/2010/main" xmlns:ma14="http://schemas.microsoft.com/office/mac/drawingml/2011/main" val="1"/>
             </a:ext>
           </a:extLst>
         </p:spPr>
@@ -32039,7 +32003,7 @@
           </a:prstGeom>
           <a:extLst>
             <a:ext uri="{C572A759-6A51-4108-AA02-DFA0A04FC94B}">
-              <ma14:wrappingTextBoxFlag xmlns="" xmlns:m="http://schemas.openxmlformats.org/officeDocument/2006/math" xmlns:a14="http://schemas.microsoft.com/office/drawing/2010/main" xmlns:ma14="http://schemas.microsoft.com/office/mac/drawingml/2011/main" val="1"/>
+              <ma14:wrappingTextBoxFlag xmlns:ma14="http://schemas.microsoft.com/office/mac/drawingml/2011/main" xmlns:a14="http://schemas.microsoft.com/office/drawing/2010/main" xmlns:m="http://schemas.openxmlformats.org/officeDocument/2006/math" xmlns="" val="1"/>
             </a:ext>
           </a:extLst>
         </p:spPr>
@@ -33363,7 +33327,7 @@
           </a:prstGeom>
           <a:extLst>
             <a:ext uri="{C572A759-6A51-4108-AA02-DFA0A04FC94B}">
-              <ma14:wrappingTextBoxFlag xmlns:ma14="http://schemas.microsoft.com/office/mac/drawingml/2011/main" xmlns:a14="http://schemas.microsoft.com/office/drawing/2010/main" xmlns:m="http://schemas.openxmlformats.org/officeDocument/2006/math" xmlns="" val="1"/>
+              <ma14:wrappingTextBoxFlag xmlns="" xmlns:m="http://schemas.openxmlformats.org/officeDocument/2006/math" xmlns:a14="http://schemas.microsoft.com/office/drawing/2010/main" xmlns:ma14="http://schemas.microsoft.com/office/mac/drawingml/2011/main" val="1"/>
             </a:ext>
           </a:extLst>
         </p:spPr>
@@ -34101,7 +34065,7 @@
           </a:prstGeom>
           <a:extLst>
             <a:ext uri="{C572A759-6A51-4108-AA02-DFA0A04FC94B}">
-              <ma14:wrappingTextBoxFlag xmlns="" xmlns:m="http://schemas.openxmlformats.org/officeDocument/2006/math" xmlns:a14="http://schemas.microsoft.com/office/drawing/2010/main" xmlns:ma14="http://schemas.microsoft.com/office/mac/drawingml/2011/main" val="1"/>
+              <ma14:wrappingTextBoxFlag xmlns:ma14="http://schemas.microsoft.com/office/mac/drawingml/2011/main" xmlns:a14="http://schemas.microsoft.com/office/drawing/2010/main" xmlns:m="http://schemas.openxmlformats.org/officeDocument/2006/math" xmlns="" val="1"/>
             </a:ext>
           </a:extLst>
         </p:spPr>
@@ -37094,7 +37058,7 @@
           </a:prstGeom>
           <a:extLst>
             <a:ext uri="{C572A759-6A51-4108-AA02-DFA0A04FC94B}">
-              <ma14:wrappingTextBoxFlag xmlns:ma14="http://schemas.microsoft.com/office/mac/drawingml/2011/main" xmlns:a14="http://schemas.microsoft.com/office/drawing/2010/main" xmlns:m="http://schemas.openxmlformats.org/officeDocument/2006/math" xmlns="" val="1"/>
+              <ma14:wrappingTextBoxFlag xmlns="" xmlns:m="http://schemas.openxmlformats.org/officeDocument/2006/math" xmlns:a14="http://schemas.microsoft.com/office/drawing/2010/main" xmlns:ma14="http://schemas.microsoft.com/office/mac/drawingml/2011/main" val="1"/>
             </a:ext>
           </a:extLst>
         </p:spPr>
@@ -37478,7 +37442,7 @@
           </a:prstGeom>
           <a:extLst>
             <a:ext uri="{C572A759-6A51-4108-AA02-DFA0A04FC94B}">
-              <ma14:wrappingTextBoxFlag xmlns="" xmlns:m="http://schemas.openxmlformats.org/officeDocument/2006/math" xmlns:a14="http://schemas.microsoft.com/office/drawing/2010/main" xmlns:ma14="http://schemas.microsoft.com/office/mac/drawingml/2011/main" val="1"/>
+              <ma14:wrappingTextBoxFlag xmlns:ma14="http://schemas.microsoft.com/office/mac/drawingml/2011/main" xmlns:a14="http://schemas.microsoft.com/office/drawing/2010/main" xmlns:m="http://schemas.openxmlformats.org/officeDocument/2006/math" xmlns="" val="1"/>
             </a:ext>
           </a:extLst>
         </p:spPr>
@@ -38114,7 +38078,7 @@
           </a:prstGeom>
           <a:extLst>
             <a:ext uri="{C572A759-6A51-4108-AA02-DFA0A04FC94B}">
-              <ma14:wrappingTextBoxFlag xmlns:ma14="http://schemas.microsoft.com/office/mac/drawingml/2011/main" xmlns:a14="http://schemas.microsoft.com/office/drawing/2010/main" xmlns:m="http://schemas.openxmlformats.org/officeDocument/2006/math" xmlns="" val="1"/>
+              <ma14:wrappingTextBoxFlag xmlns="" xmlns:m="http://schemas.openxmlformats.org/officeDocument/2006/math" xmlns:a14="http://schemas.microsoft.com/office/drawing/2010/main" xmlns:ma14="http://schemas.microsoft.com/office/mac/drawingml/2011/main" val="1"/>
             </a:ext>
           </a:extLst>
         </p:spPr>
@@ -38800,7 +38764,7 @@
           </a:prstGeom>
           <a:extLst>
             <a:ext uri="{C572A759-6A51-4108-AA02-DFA0A04FC94B}">
-              <ma14:wrappingTextBoxFlag xmlns="" xmlns:m="http://schemas.openxmlformats.org/officeDocument/2006/math" xmlns:a14="http://schemas.microsoft.com/office/drawing/2010/main" xmlns:ma14="http://schemas.microsoft.com/office/mac/drawingml/2011/main" val="1"/>
+              <ma14:wrappingTextBoxFlag xmlns:ma14="http://schemas.microsoft.com/office/mac/drawingml/2011/main" xmlns:a14="http://schemas.microsoft.com/office/drawing/2010/main" xmlns:m="http://schemas.openxmlformats.org/officeDocument/2006/math" xmlns="" val="1"/>
             </a:ext>
           </a:extLst>
         </p:spPr>
@@ -39404,7 +39368,7 @@
           </a:prstGeom>
           <a:extLst>
             <a:ext uri="{C572A759-6A51-4108-AA02-DFA0A04FC94B}">
-              <ma14:wrappingTextBoxFlag xmlns:ma14="http://schemas.microsoft.com/office/mac/drawingml/2011/main" xmlns:a14="http://schemas.microsoft.com/office/drawing/2010/main" xmlns:m="http://schemas.openxmlformats.org/officeDocument/2006/math" xmlns="" val="1"/>
+              <ma14:wrappingTextBoxFlag xmlns="" xmlns:m="http://schemas.openxmlformats.org/officeDocument/2006/math" xmlns:a14="http://schemas.microsoft.com/office/drawing/2010/main" xmlns:ma14="http://schemas.microsoft.com/office/mac/drawingml/2011/main" val="1"/>
             </a:ext>
           </a:extLst>
         </p:spPr>
@@ -40169,7 +40133,7 @@
           </a:prstGeom>
           <a:extLst>
             <a:ext uri="{C572A759-6A51-4108-AA02-DFA0A04FC94B}">
-              <ma14:wrappingTextBoxFlag xmlns="" xmlns:m="http://schemas.openxmlformats.org/officeDocument/2006/math" xmlns:a14="http://schemas.microsoft.com/office/drawing/2010/main" xmlns:ma14="http://schemas.microsoft.com/office/mac/drawingml/2011/main" val="1"/>
+              <ma14:wrappingTextBoxFlag xmlns:ma14="http://schemas.microsoft.com/office/mac/drawingml/2011/main" xmlns:a14="http://schemas.microsoft.com/office/drawing/2010/main" xmlns:m="http://schemas.openxmlformats.org/officeDocument/2006/math" xmlns="" val="1"/>
             </a:ext>
           </a:extLst>
         </p:spPr>
@@ -40854,7 +40818,7 @@
           </a:prstGeom>
           <a:extLst>
             <a:ext uri="{C572A759-6A51-4108-AA02-DFA0A04FC94B}">
-              <ma14:wrappingTextBoxFlag xmlns:ma14="http://schemas.microsoft.com/office/mac/drawingml/2011/main" xmlns:a14="http://schemas.microsoft.com/office/drawing/2010/main" xmlns:m="http://schemas.openxmlformats.org/officeDocument/2006/math" xmlns="" val="1"/>
+              <ma14:wrappingTextBoxFlag xmlns="" xmlns:m="http://schemas.openxmlformats.org/officeDocument/2006/math" xmlns:a14="http://schemas.microsoft.com/office/drawing/2010/main" xmlns:ma14="http://schemas.microsoft.com/office/mac/drawingml/2011/main" val="1"/>
             </a:ext>
           </a:extLst>
         </p:spPr>
@@ -44446,18 +44410,18 @@
 </file>
 
 <file path=customXml/item2.xml><?xml version="1.0" encoding="utf-8"?>
+<p:properties xmlns:p="http://schemas.microsoft.com/office/2006/metadata/properties" xmlns:xsi="http://www.w3.org/2001/XMLSchema-instance" xmlns:pc="http://schemas.microsoft.com/office/infopath/2007/PartnerControls">
+  <documentManagement/>
+</p:properties>
+</file>
+
+<file path=customXml/item3.xml><?xml version="1.0" encoding="utf-8"?>
 <?mso-contentType ?>
 <FormTemplates xmlns="http://schemas.microsoft.com/sharepoint/v3/contenttype/forms">
   <Display>DocumentLibraryForm</Display>
   <Edit>DocumentLibraryForm</Edit>
   <New>DocumentLibraryForm</New>
 </FormTemplates>
-</file>
-
-<file path=customXml/item3.xml><?xml version="1.0" encoding="utf-8"?>
-<p:properties xmlns:p="http://schemas.microsoft.com/office/2006/metadata/properties" xmlns:xsi="http://www.w3.org/2001/XMLSchema-instance" xmlns:pc="http://schemas.microsoft.com/office/infopath/2007/PartnerControls">
-  <documentManagement/>
-</p:properties>
 </file>
 
 <file path=customXml/itemProps1.xml><?xml version="1.0" encoding="utf-8"?>
@@ -44480,18 +44444,18 @@
 </file>
 
 <file path=customXml/itemProps2.xml><?xml version="1.0" encoding="utf-8"?>
-<ds:datastoreItem xmlns:ds="http://schemas.openxmlformats.org/officeDocument/2006/customXml" ds:itemID="{76279DCF-3EC8-4E7F-910F-D6883DFD2ED3}">
-  <ds:schemaRefs>
-    <ds:schemaRef ds:uri="http://schemas.microsoft.com/sharepoint/v3/contenttype/forms"/>
-  </ds:schemaRefs>
-</ds:datastoreItem>
-</file>
-
-<file path=customXml/itemProps3.xml><?xml version="1.0" encoding="utf-8"?>
 <ds:datastoreItem xmlns:ds="http://schemas.openxmlformats.org/officeDocument/2006/customXml" ds:itemID="{B9314B75-1DFC-452B-8189-3EBAF25F32EB}">
   <ds:schemaRefs>
     <ds:schemaRef ds:uri="http://schemas.microsoft.com/office/2006/metadata/properties"/>
     <ds:schemaRef ds:uri="http://schemas.microsoft.com/office/infopath/2007/PartnerControls"/>
   </ds:schemaRefs>
 </ds:datastoreItem>
+</file>
+
+<file path=customXml/itemProps3.xml><?xml version="1.0" encoding="utf-8"?>
+<ds:datastoreItem xmlns:ds="http://schemas.openxmlformats.org/officeDocument/2006/customXml" ds:itemID="{76279DCF-3EC8-4E7F-910F-D6883DFD2ED3}">
+  <ds:schemaRefs>
+    <ds:schemaRef ds:uri="http://schemas.microsoft.com/sharepoint/v3/contenttype/forms"/>
+  </ds:schemaRefs>
+</ds:datastoreItem>
 </file>